--- a/DsDotNet/src/Doc/Edges.pptx
+++ b/DsDotNet/src/Doc/Edges.pptx
@@ -109,6 +109,11 @@
       </a:defRPr>
     </a:lvl9pPr>
   </p:defaultTextStyle>
+  <p:extLst>
+    <p:ext uri="{EFAFB233-063F-42B5-8137-9DF3F51BA10A}">
+      <p15:sldGuideLst xmlns:p15="http://schemas.microsoft.com/office/powerpoint/2012/main"/>
+    </p:ext>
+  </p:extLst>
 </p:presentation>
 </file>
 
@@ -259,7 +264,7 @@
           <a:p>
             <a:fld id="{8B288B61-EC4F-4432-86BE-F963E57B8EC0}" type="datetimeFigureOut">
               <a:rPr lang="ko-KR" altLang="en-US" smtClean="0"/>
-              <a:t>2024-07-12</a:t>
+              <a:t>2024-07-20</a:t>
             </a:fld>
             <a:endParaRPr lang="ko-KR" altLang="en-US"/>
           </a:p>
@@ -457,7 +462,7 @@
           <a:p>
             <a:fld id="{8B288B61-EC4F-4432-86BE-F963E57B8EC0}" type="datetimeFigureOut">
               <a:rPr lang="ko-KR" altLang="en-US" smtClean="0"/>
-              <a:t>2024-07-12</a:t>
+              <a:t>2024-07-20</a:t>
             </a:fld>
             <a:endParaRPr lang="ko-KR" altLang="en-US"/>
           </a:p>
@@ -665,7 +670,7 @@
           <a:p>
             <a:fld id="{8B288B61-EC4F-4432-86BE-F963E57B8EC0}" type="datetimeFigureOut">
               <a:rPr lang="ko-KR" altLang="en-US" smtClean="0"/>
-              <a:t>2024-07-12</a:t>
+              <a:t>2024-07-20</a:t>
             </a:fld>
             <a:endParaRPr lang="ko-KR" altLang="en-US"/>
           </a:p>
@@ -863,7 +868,7 @@
           <a:p>
             <a:fld id="{8B288B61-EC4F-4432-86BE-F963E57B8EC0}" type="datetimeFigureOut">
               <a:rPr lang="ko-KR" altLang="en-US" smtClean="0"/>
-              <a:t>2024-07-12</a:t>
+              <a:t>2024-07-20</a:t>
             </a:fld>
             <a:endParaRPr lang="ko-KR" altLang="en-US"/>
           </a:p>
@@ -1138,7 +1143,7 @@
           <a:p>
             <a:fld id="{8B288B61-EC4F-4432-86BE-F963E57B8EC0}" type="datetimeFigureOut">
               <a:rPr lang="ko-KR" altLang="en-US" smtClean="0"/>
-              <a:t>2024-07-12</a:t>
+              <a:t>2024-07-20</a:t>
             </a:fld>
             <a:endParaRPr lang="ko-KR" altLang="en-US"/>
           </a:p>
@@ -1403,7 +1408,7 @@
           <a:p>
             <a:fld id="{8B288B61-EC4F-4432-86BE-F963E57B8EC0}" type="datetimeFigureOut">
               <a:rPr lang="ko-KR" altLang="en-US" smtClean="0"/>
-              <a:t>2024-07-12</a:t>
+              <a:t>2024-07-20</a:t>
             </a:fld>
             <a:endParaRPr lang="ko-KR" altLang="en-US"/>
           </a:p>
@@ -1815,7 +1820,7 @@
           <a:p>
             <a:fld id="{8B288B61-EC4F-4432-86BE-F963E57B8EC0}" type="datetimeFigureOut">
               <a:rPr lang="ko-KR" altLang="en-US" smtClean="0"/>
-              <a:t>2024-07-12</a:t>
+              <a:t>2024-07-20</a:t>
             </a:fld>
             <a:endParaRPr lang="ko-KR" altLang="en-US"/>
           </a:p>
@@ -1956,7 +1961,7 @@
           <a:p>
             <a:fld id="{8B288B61-EC4F-4432-86BE-F963E57B8EC0}" type="datetimeFigureOut">
               <a:rPr lang="ko-KR" altLang="en-US" smtClean="0"/>
-              <a:t>2024-07-12</a:t>
+              <a:t>2024-07-20</a:t>
             </a:fld>
             <a:endParaRPr lang="ko-KR" altLang="en-US"/>
           </a:p>
@@ -2069,7 +2074,7 @@
           <a:p>
             <a:fld id="{8B288B61-EC4F-4432-86BE-F963E57B8EC0}" type="datetimeFigureOut">
               <a:rPr lang="ko-KR" altLang="en-US" smtClean="0"/>
-              <a:t>2024-07-12</a:t>
+              <a:t>2024-07-20</a:t>
             </a:fld>
             <a:endParaRPr lang="ko-KR" altLang="en-US"/>
           </a:p>
@@ -2380,7 +2385,7 @@
           <a:p>
             <a:fld id="{8B288B61-EC4F-4432-86BE-F963E57B8EC0}" type="datetimeFigureOut">
               <a:rPr lang="ko-KR" altLang="en-US" smtClean="0"/>
-              <a:t>2024-07-12</a:t>
+              <a:t>2024-07-20</a:t>
             </a:fld>
             <a:endParaRPr lang="ko-KR" altLang="en-US"/>
           </a:p>
@@ -2668,7 +2673,7 @@
           <a:p>
             <a:fld id="{8B288B61-EC4F-4432-86BE-F963E57B8EC0}" type="datetimeFigureOut">
               <a:rPr lang="ko-KR" altLang="en-US" smtClean="0"/>
-              <a:t>2024-07-12</a:t>
+              <a:t>2024-07-20</a:t>
             </a:fld>
             <a:endParaRPr lang="ko-KR" altLang="en-US"/>
           </a:p>
@@ -2909,7 +2914,7 @@
           <a:p>
             <a:fld id="{8B288B61-EC4F-4432-86BE-F963E57B8EC0}" type="datetimeFigureOut">
               <a:rPr lang="ko-KR" altLang="en-US" smtClean="0"/>
-              <a:t>2024-07-12</a:t>
+              <a:t>2024-07-20</a:t>
             </a:fld>
             <a:endParaRPr lang="ko-KR" altLang="en-US"/>
           </a:p>
@@ -3433,7 +3438,7 @@
           <a:p>
             <a:r>
               <a:rPr lang="en-US" altLang="ko-KR" dirty="0"/>
-              <a:t>F1</a:t>
+              <a:t>W2 |&gt; W1 &gt; W2</a:t>
             </a:r>
             <a:endParaRPr lang="ko-KR" altLang="en-US" dirty="0"/>
           </a:p>
@@ -3770,7 +3775,7 @@
           <a:p>
             <a:r>
               <a:rPr lang="en-US" altLang="ko-KR" dirty="0"/>
-              <a:t>F2</a:t>
+              <a:t>W1 |&gt; W2 |&gt; W1</a:t>
             </a:r>
             <a:endParaRPr lang="ko-KR" altLang="en-US" dirty="0"/>
           </a:p>
@@ -4108,7 +4113,7 @@
           <a:p>
             <a:r>
               <a:rPr lang="en-US" altLang="ko-KR" dirty="0"/>
-              <a:t>F3</a:t>
+              <a:t>W1 &lt;|&gt; W2; W1 &gt; W2</a:t>
             </a:r>
             <a:endParaRPr lang="ko-KR" altLang="en-US" dirty="0"/>
           </a:p>
@@ -4442,7 +4447,7 @@
           <a:p>
             <a:r>
               <a:rPr lang="en-US" altLang="ko-KR" dirty="0"/>
-              <a:t>S1</a:t>
+              <a:t>W1 &gt; W2</a:t>
             </a:r>
             <a:endParaRPr lang="ko-KR" altLang="en-US" dirty="0"/>
           </a:p>
@@ -4664,7 +4669,7 @@
           <a:p>
             <a:r>
               <a:rPr lang="en-US" altLang="ko-KR" dirty="0"/>
-              <a:t>S2</a:t>
+              <a:t>W1 |&gt; W2</a:t>
             </a:r>
             <a:endParaRPr lang="ko-KR" altLang="en-US" dirty="0"/>
           </a:p>
@@ -4681,13 +4686,13 @@
           </p:cNvPr>
           <p:cNvCxnSpPr>
             <a:cxnSpLocks/>
-            <a:stCxn id="6" idx="1"/>
-            <a:endCxn id="5" idx="2"/>
+            <a:stCxn id="5" idx="2"/>
+            <a:endCxn id="6" idx="1"/>
           </p:cNvCxnSpPr>
           <p:nvPr/>
         </p:nvCxnSpPr>
         <p:spPr>
-          <a:xfrm flipH="1" flipV="1">
+          <a:xfrm>
             <a:off x="2134500" y="2812563"/>
             <a:ext cx="1291431" cy="256523"/>
           </a:xfrm>

--- a/DsDotNet/src/Doc/Edges.pptx
+++ b/DsDotNet/src/Doc/Edges.pptx
@@ -9,8 +9,11 @@
     <p:sldId id="257" r:id="rId3"/>
     <p:sldId id="258" r:id="rId4"/>
     <p:sldId id="259" r:id="rId5"/>
-    <p:sldId id="260" r:id="rId6"/>
-    <p:sldId id="261" r:id="rId7"/>
+    <p:sldId id="262" r:id="rId6"/>
+    <p:sldId id="264" r:id="rId7"/>
+    <p:sldId id="263" r:id="rId8"/>
+    <p:sldId id="260" r:id="rId9"/>
+    <p:sldId id="261" r:id="rId10"/>
   </p:sldIdLst>
   <p:sldSz cx="12192000" cy="6858000"/>
   <p:notesSz cx="6858000" cy="9144000"/>
@@ -264,7 +267,7 @@
           <a:p>
             <a:fld id="{8B288B61-EC4F-4432-86BE-F963E57B8EC0}" type="datetimeFigureOut">
               <a:rPr lang="ko-KR" altLang="en-US" smtClean="0"/>
-              <a:t>2024-07-20</a:t>
+              <a:t>2024-07-22</a:t>
             </a:fld>
             <a:endParaRPr lang="ko-KR" altLang="en-US"/>
           </a:p>
@@ -462,7 +465,7 @@
           <a:p>
             <a:fld id="{8B288B61-EC4F-4432-86BE-F963E57B8EC0}" type="datetimeFigureOut">
               <a:rPr lang="ko-KR" altLang="en-US" smtClean="0"/>
-              <a:t>2024-07-20</a:t>
+              <a:t>2024-07-22</a:t>
             </a:fld>
             <a:endParaRPr lang="ko-KR" altLang="en-US"/>
           </a:p>
@@ -670,7 +673,7 @@
           <a:p>
             <a:fld id="{8B288B61-EC4F-4432-86BE-F963E57B8EC0}" type="datetimeFigureOut">
               <a:rPr lang="ko-KR" altLang="en-US" smtClean="0"/>
-              <a:t>2024-07-20</a:t>
+              <a:t>2024-07-22</a:t>
             </a:fld>
             <a:endParaRPr lang="ko-KR" altLang="en-US"/>
           </a:p>
@@ -868,7 +871,7 @@
           <a:p>
             <a:fld id="{8B288B61-EC4F-4432-86BE-F963E57B8EC0}" type="datetimeFigureOut">
               <a:rPr lang="ko-KR" altLang="en-US" smtClean="0"/>
-              <a:t>2024-07-20</a:t>
+              <a:t>2024-07-22</a:t>
             </a:fld>
             <a:endParaRPr lang="ko-KR" altLang="en-US"/>
           </a:p>
@@ -1143,7 +1146,7 @@
           <a:p>
             <a:fld id="{8B288B61-EC4F-4432-86BE-F963E57B8EC0}" type="datetimeFigureOut">
               <a:rPr lang="ko-KR" altLang="en-US" smtClean="0"/>
-              <a:t>2024-07-20</a:t>
+              <a:t>2024-07-22</a:t>
             </a:fld>
             <a:endParaRPr lang="ko-KR" altLang="en-US"/>
           </a:p>
@@ -1408,7 +1411,7 @@
           <a:p>
             <a:fld id="{8B288B61-EC4F-4432-86BE-F963E57B8EC0}" type="datetimeFigureOut">
               <a:rPr lang="ko-KR" altLang="en-US" smtClean="0"/>
-              <a:t>2024-07-20</a:t>
+              <a:t>2024-07-22</a:t>
             </a:fld>
             <a:endParaRPr lang="ko-KR" altLang="en-US"/>
           </a:p>
@@ -1820,7 +1823,7 @@
           <a:p>
             <a:fld id="{8B288B61-EC4F-4432-86BE-F963E57B8EC0}" type="datetimeFigureOut">
               <a:rPr lang="ko-KR" altLang="en-US" smtClean="0"/>
-              <a:t>2024-07-20</a:t>
+              <a:t>2024-07-22</a:t>
             </a:fld>
             <a:endParaRPr lang="ko-KR" altLang="en-US"/>
           </a:p>
@@ -1961,7 +1964,7 @@
           <a:p>
             <a:fld id="{8B288B61-EC4F-4432-86BE-F963E57B8EC0}" type="datetimeFigureOut">
               <a:rPr lang="ko-KR" altLang="en-US" smtClean="0"/>
-              <a:t>2024-07-20</a:t>
+              <a:t>2024-07-22</a:t>
             </a:fld>
             <a:endParaRPr lang="ko-KR" altLang="en-US"/>
           </a:p>
@@ -2074,7 +2077,7 @@
           <a:p>
             <a:fld id="{8B288B61-EC4F-4432-86BE-F963E57B8EC0}" type="datetimeFigureOut">
               <a:rPr lang="ko-KR" altLang="en-US" smtClean="0"/>
-              <a:t>2024-07-20</a:t>
+              <a:t>2024-07-22</a:t>
             </a:fld>
             <a:endParaRPr lang="ko-KR" altLang="en-US"/>
           </a:p>
@@ -2385,7 +2388,7 @@
           <a:p>
             <a:fld id="{8B288B61-EC4F-4432-86BE-F963E57B8EC0}" type="datetimeFigureOut">
               <a:rPr lang="ko-KR" altLang="en-US" smtClean="0"/>
-              <a:t>2024-07-20</a:t>
+              <a:t>2024-07-22</a:t>
             </a:fld>
             <a:endParaRPr lang="ko-KR" altLang="en-US"/>
           </a:p>
@@ -2673,7 +2676,7 @@
           <a:p>
             <a:fld id="{8B288B61-EC4F-4432-86BE-F963E57B8EC0}" type="datetimeFigureOut">
               <a:rPr lang="ko-KR" altLang="en-US" smtClean="0"/>
-              <a:t>2024-07-20</a:t>
+              <a:t>2024-07-22</a:t>
             </a:fld>
             <a:endParaRPr lang="ko-KR" altLang="en-US"/>
           </a:p>
@@ -2914,7 +2917,7 @@
           <a:p>
             <a:fld id="{8B288B61-EC4F-4432-86BE-F963E57B8EC0}" type="datetimeFigureOut">
               <a:rPr lang="ko-KR" altLang="en-US" smtClean="0"/>
-              <a:t>2024-07-20</a:t>
+              <a:t>2024-07-22</a:t>
             </a:fld>
             <a:endParaRPr lang="ko-KR" altLang="en-US"/>
           </a:p>
@@ -3438,7 +3441,7 @@
           <a:p>
             <a:r>
               <a:rPr lang="en-US" altLang="ko-KR" dirty="0"/>
-              <a:t>W2 |&gt; W1 &gt; W2</a:t>
+              <a:t>W2 |&gt; W1 &gt; W2 : W1 =&gt; W2</a:t>
             </a:r>
             <a:endParaRPr lang="ko-KR" altLang="en-US" dirty="0"/>
           </a:p>
@@ -3775,7 +3778,7 @@
           <a:p>
             <a:r>
               <a:rPr lang="en-US" altLang="ko-KR" dirty="0"/>
-              <a:t>W1 |&gt; W2 |&gt; W1</a:t>
+              <a:t>W1 |&gt; W2 |&gt; W1 : W1 &lt;|&gt; W2</a:t>
             </a:r>
             <a:endParaRPr lang="ko-KR" altLang="en-US" dirty="0"/>
           </a:p>
@@ -4113,7 +4116,7 @@
           <a:p>
             <a:r>
               <a:rPr lang="en-US" altLang="ko-KR" dirty="0"/>
-              <a:t>W1 &lt;|&gt; W2; W1 &gt; W2</a:t>
+              <a:t>W1 &lt;|&gt; W2; W1 &gt; W2 : W1=|&gt;W2</a:t>
             </a:r>
             <a:endParaRPr lang="ko-KR" altLang="en-US" dirty="0"/>
           </a:p>
@@ -4429,6 +4432,1073 @@
           <p:cNvPr id="2" name="제목 1">
             <a:extLst>
               <a:ext uri="{FF2B5EF4-FFF2-40B4-BE49-F238E27FC236}">
+                <a16:creationId xmlns:a16="http://schemas.microsoft.com/office/drawing/2014/main" id="{C15874F8-0584-57BB-8982-AD9748FE7DCB}"/>
+              </a:ext>
+            </a:extLst>
+          </p:cNvPr>
+          <p:cNvSpPr>
+            <a:spLocks noGrp="1"/>
+          </p:cNvSpPr>
+          <p:nvPr>
+            <p:ph type="title"/>
+          </p:nvPr>
+        </p:nvSpPr>
+        <p:spPr/>
+        <p:txBody>
+          <a:bodyPr/>
+          <a:lstStyle/>
+          <a:p>
+            <a:r>
+              <a:rPr lang="en-US" altLang="ko-KR" dirty="0"/>
+              <a:t>MES</a:t>
+            </a:r>
+            <a:endParaRPr lang="ko-KR" altLang="en-US" dirty="0"/>
+          </a:p>
+        </p:txBody>
+      </p:sp>
+      <p:sp>
+        <p:nvSpPr>
+          <p:cNvPr id="9" name="TextBox 8">
+            <a:extLst>
+              <a:ext uri="{FF2B5EF4-FFF2-40B4-BE49-F238E27FC236}">
+                <a16:creationId xmlns:a16="http://schemas.microsoft.com/office/drawing/2014/main" id="{A1A47868-B1A6-E037-9416-EB07488148A7}"/>
+              </a:ext>
+            </a:extLst>
+          </p:cNvPr>
+          <p:cNvSpPr txBox="1"/>
+          <p:nvPr/>
+        </p:nvSpPr>
+        <p:spPr>
+          <a:xfrm>
+            <a:off x="3560323" y="4076048"/>
+            <a:ext cx="6096000" cy="369332"/>
+          </a:xfrm>
+          <a:prstGeom prst="rect">
+            <a:avLst/>
+          </a:prstGeom>
+          <a:noFill/>
+        </p:spPr>
+        <p:txBody>
+          <a:bodyPr wrap="square">
+            <a:spAutoFit/>
+          </a:bodyPr>
+          <a:lstStyle/>
+          <a:p>
+            <a:r>
+              <a:rPr lang="ko-KR" altLang="en-US" dirty="0"/>
+              <a:t>S201_RBT1 |&gt; BUFFER &gt; MES =&gt; BUFFER;</a:t>
+            </a:r>
+          </a:p>
+        </p:txBody>
+      </p:sp>
+      <p:sp>
+        <p:nvSpPr>
+          <p:cNvPr id="10" name="직사각형 9">
+            <a:extLst>
+              <a:ext uri="{FF2B5EF4-FFF2-40B4-BE49-F238E27FC236}">
+                <a16:creationId xmlns:a16="http://schemas.microsoft.com/office/drawing/2014/main" id="{FC66FD1E-B54D-E353-E5F9-7176F30B3BC9}"/>
+              </a:ext>
+            </a:extLst>
+          </p:cNvPr>
+          <p:cNvSpPr/>
+          <p:nvPr/>
+        </p:nvSpPr>
+        <p:spPr>
+          <a:xfrm>
+            <a:off x="3115023" y="2493356"/>
+            <a:ext cx="1063615" cy="577191"/>
+          </a:xfrm>
+          <a:prstGeom prst="rect">
+            <a:avLst/>
+          </a:prstGeom>
+          <a:ln/>
+        </p:spPr>
+        <p:style>
+          <a:lnRef idx="2">
+            <a:schemeClr val="dk1"/>
+          </a:lnRef>
+          <a:fillRef idx="1">
+            <a:schemeClr val="lt1"/>
+          </a:fillRef>
+          <a:effectRef idx="0">
+            <a:schemeClr val="dk1"/>
+          </a:effectRef>
+          <a:fontRef idx="minor">
+            <a:schemeClr val="dk1"/>
+          </a:fontRef>
+        </p:style>
+        <p:txBody>
+          <a:bodyPr rtlCol="0" anchor="ctr"/>
+          <a:lstStyle/>
+          <a:p>
+            <a:pPr algn="ctr"/>
+            <a:r>
+              <a:rPr lang="en-US" altLang="ko-KR" sz="1050" dirty="0"/>
+              <a:t>BUFFER</a:t>
+            </a:r>
+            <a:endParaRPr lang="ko-KR" altLang="en-US" sz="1050" dirty="0"/>
+          </a:p>
+        </p:txBody>
+      </p:sp>
+      <p:sp>
+        <p:nvSpPr>
+          <p:cNvPr id="11" name="직사각형 10">
+            <a:extLst>
+              <a:ext uri="{FF2B5EF4-FFF2-40B4-BE49-F238E27FC236}">
+                <a16:creationId xmlns:a16="http://schemas.microsoft.com/office/drawing/2014/main" id="{BFD39829-95D1-F328-98C3-6F1236AAC685}"/>
+              </a:ext>
+            </a:extLst>
+          </p:cNvPr>
+          <p:cNvSpPr/>
+          <p:nvPr/>
+        </p:nvSpPr>
+        <p:spPr>
+          <a:xfrm>
+            <a:off x="1337727" y="2507004"/>
+            <a:ext cx="1063615" cy="577191"/>
+          </a:xfrm>
+          <a:prstGeom prst="rect">
+            <a:avLst/>
+          </a:prstGeom>
+          <a:ln/>
+        </p:spPr>
+        <p:style>
+          <a:lnRef idx="2">
+            <a:schemeClr val="dk1"/>
+          </a:lnRef>
+          <a:fillRef idx="1">
+            <a:schemeClr val="lt1"/>
+          </a:fillRef>
+          <a:effectRef idx="0">
+            <a:schemeClr val="dk1"/>
+          </a:effectRef>
+          <a:fontRef idx="minor">
+            <a:schemeClr val="dk1"/>
+          </a:fontRef>
+        </p:style>
+        <p:txBody>
+          <a:bodyPr rtlCol="0" anchor="ctr"/>
+          <a:lstStyle/>
+          <a:p>
+            <a:pPr algn="ctr"/>
+            <a:r>
+              <a:rPr lang="en-US" altLang="ko-KR" sz="1050"/>
+              <a:t>MES</a:t>
+            </a:r>
+            <a:endParaRPr lang="en-US" altLang="ko-KR" sz="1050" dirty="0"/>
+          </a:p>
+        </p:txBody>
+      </p:sp>
+      <p:cxnSp>
+        <p:nvCxnSpPr>
+          <p:cNvPr id="12" name="연결선: 꺾임 11">
+            <a:extLst>
+              <a:ext uri="{FF2B5EF4-FFF2-40B4-BE49-F238E27FC236}">
+                <a16:creationId xmlns:a16="http://schemas.microsoft.com/office/drawing/2014/main" id="{53C11B92-CA43-F422-D93F-1196FDE7AB30}"/>
+              </a:ext>
+            </a:extLst>
+          </p:cNvPr>
+          <p:cNvCxnSpPr>
+            <a:cxnSpLocks/>
+            <a:stCxn id="11" idx="0"/>
+            <a:endCxn id="10" idx="0"/>
+          </p:cNvCxnSpPr>
+          <p:nvPr/>
+        </p:nvCxnSpPr>
+        <p:spPr>
+          <a:xfrm rot="5400000" flipH="1" flipV="1">
+            <a:off x="2751359" y="1611532"/>
+            <a:ext cx="13648" cy="1777296"/>
+          </a:xfrm>
+          <a:prstGeom prst="bentConnector3">
+            <a:avLst>
+              <a:gd name="adj1" fmla="val 1774971"/>
+            </a:avLst>
+          </a:prstGeom>
+          <a:ln>
+            <a:headEnd type="diamond" w="lg" len="lg"/>
+            <a:tailEnd type="triangle" w="lg" len="lg"/>
+          </a:ln>
+        </p:spPr>
+        <p:style>
+          <a:lnRef idx="2">
+            <a:schemeClr val="dk1"/>
+          </a:lnRef>
+          <a:fillRef idx="1">
+            <a:schemeClr val="lt1"/>
+          </a:fillRef>
+          <a:effectRef idx="0">
+            <a:schemeClr val="dk1"/>
+          </a:effectRef>
+          <a:fontRef idx="minor">
+            <a:schemeClr val="dk1"/>
+          </a:fontRef>
+        </p:style>
+      </p:cxnSp>
+      <p:cxnSp>
+        <p:nvCxnSpPr>
+          <p:cNvPr id="13" name="연결선: 꺾임 12">
+            <a:extLst>
+              <a:ext uri="{FF2B5EF4-FFF2-40B4-BE49-F238E27FC236}">
+                <a16:creationId xmlns:a16="http://schemas.microsoft.com/office/drawing/2014/main" id="{F41D6A6A-A395-BD70-F6FB-9354EB510438}"/>
+              </a:ext>
+            </a:extLst>
+          </p:cNvPr>
+          <p:cNvCxnSpPr>
+            <a:cxnSpLocks/>
+            <a:stCxn id="10" idx="2"/>
+            <a:endCxn id="11" idx="2"/>
+          </p:cNvCxnSpPr>
+          <p:nvPr/>
+        </p:nvCxnSpPr>
+        <p:spPr>
+          <a:xfrm rot="5400000">
+            <a:off x="2751359" y="2188723"/>
+            <a:ext cx="13648" cy="1777296"/>
+          </a:xfrm>
+          <a:prstGeom prst="bentConnector3">
+            <a:avLst>
+              <a:gd name="adj1" fmla="val 1774971"/>
+            </a:avLst>
+          </a:prstGeom>
+          <a:ln>
+            <a:headEnd w="lg" len="lg"/>
+            <a:tailEnd type="triangle" w="lg" len="lg"/>
+          </a:ln>
+        </p:spPr>
+        <p:style>
+          <a:lnRef idx="2">
+            <a:schemeClr val="dk1"/>
+          </a:lnRef>
+          <a:fillRef idx="1">
+            <a:schemeClr val="lt1"/>
+          </a:fillRef>
+          <a:effectRef idx="0">
+            <a:schemeClr val="dk1"/>
+          </a:effectRef>
+          <a:fontRef idx="minor">
+            <a:schemeClr val="dk1"/>
+          </a:fontRef>
+        </p:style>
+      </p:cxnSp>
+      <p:sp>
+        <p:nvSpPr>
+          <p:cNvPr id="14" name="직사각형 13">
+            <a:extLst>
+              <a:ext uri="{FF2B5EF4-FFF2-40B4-BE49-F238E27FC236}">
+                <a16:creationId xmlns:a16="http://schemas.microsoft.com/office/drawing/2014/main" id="{629979B9-C8D2-8E40-2C20-511553B8FE15}"/>
+              </a:ext>
+            </a:extLst>
+          </p:cNvPr>
+          <p:cNvSpPr/>
+          <p:nvPr/>
+        </p:nvSpPr>
+        <p:spPr>
+          <a:xfrm>
+            <a:off x="4931598" y="2493355"/>
+            <a:ext cx="1063615" cy="577191"/>
+          </a:xfrm>
+          <a:prstGeom prst="rect">
+            <a:avLst/>
+          </a:prstGeom>
+          <a:ln/>
+        </p:spPr>
+        <p:style>
+          <a:lnRef idx="2">
+            <a:schemeClr val="dk1"/>
+          </a:lnRef>
+          <a:fillRef idx="1">
+            <a:schemeClr val="lt1"/>
+          </a:fillRef>
+          <a:effectRef idx="0">
+            <a:schemeClr val="dk1"/>
+          </a:effectRef>
+          <a:fontRef idx="minor">
+            <a:schemeClr val="dk1"/>
+          </a:fontRef>
+        </p:style>
+        <p:txBody>
+          <a:bodyPr rtlCol="0" anchor="ctr"/>
+          <a:lstStyle/>
+          <a:p>
+            <a:pPr algn="ctr"/>
+            <a:r>
+              <a:rPr lang="en-US" altLang="ko-KR" sz="1050" dirty="0"/>
+              <a:t>S201</a:t>
+            </a:r>
+          </a:p>
+          <a:p>
+            <a:pPr algn="ctr"/>
+            <a:r>
+              <a:rPr lang="en-US" altLang="ko-KR" sz="1050" dirty="0"/>
+              <a:t>_RBT1</a:t>
+            </a:r>
+          </a:p>
+        </p:txBody>
+      </p:sp>
+      <p:cxnSp>
+        <p:nvCxnSpPr>
+          <p:cNvPr id="15" name="연결선: 꺾임 14">
+            <a:extLst>
+              <a:ext uri="{FF2B5EF4-FFF2-40B4-BE49-F238E27FC236}">
+                <a16:creationId xmlns:a16="http://schemas.microsoft.com/office/drawing/2014/main" id="{B4BD7836-DA24-EB1A-6AF9-853491399C7D}"/>
+              </a:ext>
+            </a:extLst>
+          </p:cNvPr>
+          <p:cNvCxnSpPr>
+            <a:cxnSpLocks/>
+            <a:stCxn id="14" idx="1"/>
+            <a:endCxn id="10" idx="3"/>
+          </p:cNvCxnSpPr>
+          <p:nvPr/>
+        </p:nvCxnSpPr>
+        <p:spPr>
+          <a:xfrm rot="10800000" flipV="1">
+            <a:off x="4178638" y="2781950"/>
+            <a:ext cx="752960" cy="1"/>
+          </a:xfrm>
+          <a:prstGeom prst="bentConnector3">
+            <a:avLst>
+              <a:gd name="adj1" fmla="val 50000"/>
+            </a:avLst>
+          </a:prstGeom>
+          <a:ln>
+            <a:prstDash val="sysDash"/>
+            <a:headEnd w="lg" len="lg"/>
+            <a:tailEnd type="triangle" w="lg" len="lg"/>
+          </a:ln>
+        </p:spPr>
+        <p:style>
+          <a:lnRef idx="2">
+            <a:schemeClr val="dk1"/>
+          </a:lnRef>
+          <a:fillRef idx="1">
+            <a:schemeClr val="lt1"/>
+          </a:fillRef>
+          <a:effectRef idx="0">
+            <a:schemeClr val="dk1"/>
+          </a:effectRef>
+          <a:fontRef idx="minor">
+            <a:schemeClr val="dk1"/>
+          </a:fontRef>
+        </p:style>
+      </p:cxnSp>
+    </p:spTree>
+    <p:extLst>
+      <p:ext uri="{BB962C8B-B14F-4D97-AF65-F5344CB8AC3E}">
+        <p14:creationId xmlns:p14="http://schemas.microsoft.com/office/powerpoint/2010/main" val="3336041662"/>
+      </p:ext>
+    </p:extLst>
+  </p:cSld>
+  <p:clrMapOvr>
+    <a:masterClrMapping/>
+  </p:clrMapOvr>
+</p:sld>
+</file>
+
+<file path=ppt/slides/slide6.xml><?xml version="1.0" encoding="utf-8"?>
+<p:sld xmlns:a="http://schemas.openxmlformats.org/drawingml/2006/main" xmlns:r="http://schemas.openxmlformats.org/officeDocument/2006/relationships" xmlns:p="http://schemas.openxmlformats.org/presentationml/2006/main">
+  <p:cSld>
+    <p:spTree>
+      <p:nvGrpSpPr>
+        <p:cNvPr id="1" name=""/>
+        <p:cNvGrpSpPr/>
+        <p:nvPr/>
+      </p:nvGrpSpPr>
+      <p:grpSpPr>
+        <a:xfrm>
+          <a:off x="0" y="0"/>
+          <a:ext cx="0" cy="0"/>
+          <a:chOff x="0" y="0"/>
+          <a:chExt cx="0" cy="0"/>
+        </a:xfrm>
+      </p:grpSpPr>
+      <p:sp>
+        <p:nvSpPr>
+          <p:cNvPr id="2" name="제목 1">
+            <a:extLst>
+              <a:ext uri="{FF2B5EF4-FFF2-40B4-BE49-F238E27FC236}">
+                <a16:creationId xmlns:a16="http://schemas.microsoft.com/office/drawing/2014/main" id="{A9E52392-FAC9-4723-7145-851B28A83353}"/>
+              </a:ext>
+            </a:extLst>
+          </p:cNvPr>
+          <p:cNvSpPr>
+            <a:spLocks noGrp="1"/>
+          </p:cNvSpPr>
+          <p:nvPr>
+            <p:ph type="title"/>
+          </p:nvPr>
+        </p:nvSpPr>
+        <p:spPr/>
+        <p:txBody>
+          <a:bodyPr/>
+          <a:lstStyle/>
+          <a:p>
+            <a:r>
+              <a:rPr lang="en-US" altLang="ko-KR" dirty="0"/>
+              <a:t>Cycle1</a:t>
+            </a:r>
+            <a:endParaRPr lang="ko-KR" altLang="en-US" dirty="0"/>
+          </a:p>
+        </p:txBody>
+      </p:sp>
+      <p:sp>
+        <p:nvSpPr>
+          <p:cNvPr id="4" name="직사각형 3">
+            <a:extLst>
+              <a:ext uri="{FF2B5EF4-FFF2-40B4-BE49-F238E27FC236}">
+                <a16:creationId xmlns:a16="http://schemas.microsoft.com/office/drawing/2014/main" id="{578020AE-14E6-FD94-166E-E94FD5C3DE0B}"/>
+              </a:ext>
+            </a:extLst>
+          </p:cNvPr>
+          <p:cNvSpPr/>
+          <p:nvPr/>
+        </p:nvSpPr>
+        <p:spPr>
+          <a:xfrm>
+            <a:off x="1637207" y="2181339"/>
+            <a:ext cx="994586" cy="631224"/>
+          </a:xfrm>
+          <a:prstGeom prst="rect">
+            <a:avLst/>
+          </a:prstGeom>
+          <a:noFill/>
+        </p:spPr>
+        <p:style>
+          <a:lnRef idx="2">
+            <a:schemeClr val="accent1">
+              <a:shade val="15000"/>
+            </a:schemeClr>
+          </a:lnRef>
+          <a:fillRef idx="1">
+            <a:schemeClr val="accent1"/>
+          </a:fillRef>
+          <a:effectRef idx="0">
+            <a:schemeClr val="accent1"/>
+          </a:effectRef>
+          <a:fontRef idx="minor">
+            <a:schemeClr val="lt1"/>
+          </a:fontRef>
+        </p:style>
+        <p:txBody>
+          <a:bodyPr rtlCol="0" anchor="ctr"/>
+          <a:lstStyle/>
+          <a:p>
+            <a:pPr algn="ctr"/>
+            <a:r>
+              <a:rPr lang="en-US" altLang="ko-KR" dirty="0">
+                <a:solidFill>
+                  <a:schemeClr val="tx1"/>
+                </a:solidFill>
+              </a:rPr>
+              <a:t>W1</a:t>
+            </a:r>
+            <a:endParaRPr lang="ko-KR" altLang="en-US" dirty="0">
+              <a:solidFill>
+                <a:schemeClr val="tx1"/>
+              </a:solidFill>
+            </a:endParaRPr>
+          </a:p>
+        </p:txBody>
+      </p:sp>
+      <p:sp>
+        <p:nvSpPr>
+          <p:cNvPr id="5" name="직사각형 4">
+            <a:extLst>
+              <a:ext uri="{FF2B5EF4-FFF2-40B4-BE49-F238E27FC236}">
+                <a16:creationId xmlns:a16="http://schemas.microsoft.com/office/drawing/2014/main" id="{0B36D2B4-E5C9-5EA3-77FC-77F8EF3A40A6}"/>
+              </a:ext>
+            </a:extLst>
+          </p:cNvPr>
+          <p:cNvSpPr/>
+          <p:nvPr/>
+        </p:nvSpPr>
+        <p:spPr>
+          <a:xfrm>
+            <a:off x="3425931" y="2181339"/>
+            <a:ext cx="994586" cy="631224"/>
+          </a:xfrm>
+          <a:prstGeom prst="rect">
+            <a:avLst/>
+          </a:prstGeom>
+          <a:noFill/>
+        </p:spPr>
+        <p:style>
+          <a:lnRef idx="2">
+            <a:schemeClr val="accent1">
+              <a:shade val="15000"/>
+            </a:schemeClr>
+          </a:lnRef>
+          <a:fillRef idx="1">
+            <a:schemeClr val="accent1"/>
+          </a:fillRef>
+          <a:effectRef idx="0">
+            <a:schemeClr val="accent1"/>
+          </a:effectRef>
+          <a:fontRef idx="minor">
+            <a:schemeClr val="lt1"/>
+          </a:fontRef>
+        </p:style>
+        <p:txBody>
+          <a:bodyPr rtlCol="0" anchor="ctr"/>
+          <a:lstStyle/>
+          <a:p>
+            <a:pPr algn="ctr"/>
+            <a:r>
+              <a:rPr lang="en-US" altLang="ko-KR" dirty="0">
+                <a:solidFill>
+                  <a:schemeClr val="tx1"/>
+                </a:solidFill>
+              </a:rPr>
+              <a:t>W2</a:t>
+            </a:r>
+            <a:endParaRPr lang="ko-KR" altLang="en-US" dirty="0">
+              <a:solidFill>
+                <a:schemeClr val="tx1"/>
+              </a:solidFill>
+            </a:endParaRPr>
+          </a:p>
+        </p:txBody>
+      </p:sp>
+      <p:cxnSp>
+        <p:nvCxnSpPr>
+          <p:cNvPr id="6" name="직선 화살표 연결선 5">
+            <a:extLst>
+              <a:ext uri="{FF2B5EF4-FFF2-40B4-BE49-F238E27FC236}">
+                <a16:creationId xmlns:a16="http://schemas.microsoft.com/office/drawing/2014/main" id="{DC46B693-ED5C-0A48-78C5-35038C5A8212}"/>
+              </a:ext>
+            </a:extLst>
+          </p:cNvPr>
+          <p:cNvCxnSpPr>
+            <a:cxnSpLocks/>
+            <a:stCxn id="4" idx="3"/>
+            <a:endCxn id="5" idx="1"/>
+          </p:cNvCxnSpPr>
+          <p:nvPr/>
+        </p:nvCxnSpPr>
+        <p:spPr>
+          <a:xfrm>
+            <a:off x="2631793" y="2496951"/>
+            <a:ext cx="794138" cy="0"/>
+          </a:xfrm>
+          <a:prstGeom prst="straightConnector1">
+            <a:avLst/>
+          </a:prstGeom>
+          <a:ln w="25400">
+            <a:prstDash val="solid"/>
+            <a:headEnd w="lg" len="lg"/>
+            <a:tailEnd type="triangle" w="lg" len="lg"/>
+          </a:ln>
+        </p:spPr>
+        <p:style>
+          <a:lnRef idx="2">
+            <a:schemeClr val="accent1"/>
+          </a:lnRef>
+          <a:fillRef idx="0">
+            <a:schemeClr val="accent1"/>
+          </a:fillRef>
+          <a:effectRef idx="1">
+            <a:schemeClr val="accent1"/>
+          </a:effectRef>
+          <a:fontRef idx="minor">
+            <a:schemeClr val="tx1"/>
+          </a:fontRef>
+        </p:style>
+      </p:cxnSp>
+      <p:cxnSp>
+        <p:nvCxnSpPr>
+          <p:cNvPr id="13" name="연결선: 꺾임 12">
+            <a:extLst>
+              <a:ext uri="{FF2B5EF4-FFF2-40B4-BE49-F238E27FC236}">
+                <a16:creationId xmlns:a16="http://schemas.microsoft.com/office/drawing/2014/main" id="{D0762357-0770-531D-8012-B64BE21CD715}"/>
+              </a:ext>
+            </a:extLst>
+          </p:cNvPr>
+          <p:cNvCxnSpPr>
+            <a:cxnSpLocks/>
+            <a:stCxn id="5" idx="2"/>
+            <a:endCxn id="4" idx="2"/>
+          </p:cNvCxnSpPr>
+          <p:nvPr/>
+        </p:nvCxnSpPr>
+        <p:spPr>
+          <a:xfrm rot="5400000">
+            <a:off x="3028862" y="1918201"/>
+            <a:ext cx="12700" cy="1788724"/>
+          </a:xfrm>
+          <a:prstGeom prst="bentConnector3">
+            <a:avLst>
+              <a:gd name="adj1" fmla="val 1800000"/>
+            </a:avLst>
+          </a:prstGeom>
+          <a:ln>
+            <a:tailEnd type="triangle"/>
+          </a:ln>
+        </p:spPr>
+        <p:style>
+          <a:lnRef idx="2">
+            <a:schemeClr val="accent1"/>
+          </a:lnRef>
+          <a:fillRef idx="0">
+            <a:schemeClr val="accent1"/>
+          </a:fillRef>
+          <a:effectRef idx="1">
+            <a:schemeClr val="accent1"/>
+          </a:effectRef>
+          <a:fontRef idx="minor">
+            <a:schemeClr val="tx1"/>
+          </a:fontRef>
+        </p:style>
+      </p:cxnSp>
+      <p:sp>
+        <p:nvSpPr>
+          <p:cNvPr id="7" name="TextBox 6">
+            <a:extLst>
+              <a:ext uri="{FF2B5EF4-FFF2-40B4-BE49-F238E27FC236}">
+                <a16:creationId xmlns:a16="http://schemas.microsoft.com/office/drawing/2014/main" id="{52DC868B-4A01-36B1-E3E6-EDDAD17F5F3C}"/>
+              </a:ext>
+            </a:extLst>
+          </p:cNvPr>
+          <p:cNvSpPr txBox="1"/>
+          <p:nvPr/>
+        </p:nvSpPr>
+        <p:spPr>
+          <a:xfrm>
+            <a:off x="6096000" y="2353340"/>
+            <a:ext cx="2119939" cy="369332"/>
+          </a:xfrm>
+          <a:prstGeom prst="rect">
+            <a:avLst/>
+          </a:prstGeom>
+          <a:noFill/>
+        </p:spPr>
+        <p:txBody>
+          <a:bodyPr wrap="none" rtlCol="0">
+            <a:spAutoFit/>
+          </a:bodyPr>
+          <a:lstStyle/>
+          <a:p>
+            <a:r>
+              <a:rPr lang="en-US" altLang="ko-KR" dirty="0"/>
+              <a:t>Web UI </a:t>
+            </a:r>
+            <a:r>
+              <a:rPr lang="ko-KR" altLang="en-US" dirty="0"/>
+              <a:t>확인 필요</a:t>
+            </a:r>
+            <a:r>
+              <a:rPr lang="en-US" altLang="ko-KR" dirty="0"/>
+              <a:t>!</a:t>
+            </a:r>
+            <a:endParaRPr lang="ko-KR" altLang="en-US" dirty="0"/>
+          </a:p>
+        </p:txBody>
+      </p:sp>
+    </p:spTree>
+    <p:extLst>
+      <p:ext uri="{BB962C8B-B14F-4D97-AF65-F5344CB8AC3E}">
+        <p14:creationId xmlns:p14="http://schemas.microsoft.com/office/powerpoint/2010/main" val="249984778"/>
+      </p:ext>
+    </p:extLst>
+  </p:cSld>
+  <p:clrMapOvr>
+    <a:masterClrMapping/>
+  </p:clrMapOvr>
+</p:sld>
+</file>
+
+<file path=ppt/slides/slide7.xml><?xml version="1.0" encoding="utf-8"?>
+<p:sld xmlns:a="http://schemas.openxmlformats.org/drawingml/2006/main" xmlns:r="http://schemas.openxmlformats.org/officeDocument/2006/relationships" xmlns:p="http://schemas.openxmlformats.org/presentationml/2006/main">
+  <p:cSld>
+    <p:spTree>
+      <p:nvGrpSpPr>
+        <p:cNvPr id="1" name=""/>
+        <p:cNvGrpSpPr/>
+        <p:nvPr/>
+      </p:nvGrpSpPr>
+      <p:grpSpPr>
+        <a:xfrm>
+          <a:off x="0" y="0"/>
+          <a:ext cx="0" cy="0"/>
+          <a:chOff x="0" y="0"/>
+          <a:chExt cx="0" cy="0"/>
+        </a:xfrm>
+      </p:grpSpPr>
+      <p:sp>
+        <p:nvSpPr>
+          <p:cNvPr id="2" name="제목 1">
+            <a:extLst>
+              <a:ext uri="{FF2B5EF4-FFF2-40B4-BE49-F238E27FC236}">
+                <a16:creationId xmlns:a16="http://schemas.microsoft.com/office/drawing/2014/main" id="{A9E52392-FAC9-4723-7145-851B28A83353}"/>
+              </a:ext>
+            </a:extLst>
+          </p:cNvPr>
+          <p:cNvSpPr>
+            <a:spLocks noGrp="1"/>
+          </p:cNvSpPr>
+          <p:nvPr>
+            <p:ph type="title"/>
+          </p:nvPr>
+        </p:nvSpPr>
+        <p:spPr/>
+        <p:txBody>
+          <a:bodyPr/>
+          <a:lstStyle/>
+          <a:p>
+            <a:r>
+              <a:rPr lang="en-US" altLang="ko-KR" dirty="0"/>
+              <a:t>Cycle2</a:t>
+            </a:r>
+            <a:endParaRPr lang="ko-KR" altLang="en-US" dirty="0"/>
+          </a:p>
+        </p:txBody>
+      </p:sp>
+      <p:sp>
+        <p:nvSpPr>
+          <p:cNvPr id="4" name="직사각형 3">
+            <a:extLst>
+              <a:ext uri="{FF2B5EF4-FFF2-40B4-BE49-F238E27FC236}">
+                <a16:creationId xmlns:a16="http://schemas.microsoft.com/office/drawing/2014/main" id="{578020AE-14E6-FD94-166E-E94FD5C3DE0B}"/>
+              </a:ext>
+            </a:extLst>
+          </p:cNvPr>
+          <p:cNvSpPr/>
+          <p:nvPr/>
+        </p:nvSpPr>
+        <p:spPr>
+          <a:xfrm>
+            <a:off x="1637207" y="2181339"/>
+            <a:ext cx="994586" cy="631224"/>
+          </a:xfrm>
+          <a:prstGeom prst="rect">
+            <a:avLst/>
+          </a:prstGeom>
+          <a:noFill/>
+        </p:spPr>
+        <p:style>
+          <a:lnRef idx="2">
+            <a:schemeClr val="accent1">
+              <a:shade val="15000"/>
+            </a:schemeClr>
+          </a:lnRef>
+          <a:fillRef idx="1">
+            <a:schemeClr val="accent1"/>
+          </a:fillRef>
+          <a:effectRef idx="0">
+            <a:schemeClr val="accent1"/>
+          </a:effectRef>
+          <a:fontRef idx="minor">
+            <a:schemeClr val="lt1"/>
+          </a:fontRef>
+        </p:style>
+        <p:txBody>
+          <a:bodyPr rtlCol="0" anchor="ctr"/>
+          <a:lstStyle/>
+          <a:p>
+            <a:pPr algn="ctr"/>
+            <a:r>
+              <a:rPr lang="en-US" altLang="ko-KR" dirty="0">
+                <a:solidFill>
+                  <a:schemeClr val="tx1"/>
+                </a:solidFill>
+              </a:rPr>
+              <a:t>W1</a:t>
+            </a:r>
+            <a:endParaRPr lang="ko-KR" altLang="en-US" dirty="0">
+              <a:solidFill>
+                <a:schemeClr val="tx1"/>
+              </a:solidFill>
+            </a:endParaRPr>
+          </a:p>
+        </p:txBody>
+      </p:sp>
+      <p:sp>
+        <p:nvSpPr>
+          <p:cNvPr id="5" name="직사각형 4">
+            <a:extLst>
+              <a:ext uri="{FF2B5EF4-FFF2-40B4-BE49-F238E27FC236}">
+                <a16:creationId xmlns:a16="http://schemas.microsoft.com/office/drawing/2014/main" id="{0B36D2B4-E5C9-5EA3-77FC-77F8EF3A40A6}"/>
+              </a:ext>
+            </a:extLst>
+          </p:cNvPr>
+          <p:cNvSpPr/>
+          <p:nvPr/>
+        </p:nvSpPr>
+        <p:spPr>
+          <a:xfrm>
+            <a:off x="3425931" y="2181339"/>
+            <a:ext cx="994586" cy="631224"/>
+          </a:xfrm>
+          <a:prstGeom prst="rect">
+            <a:avLst/>
+          </a:prstGeom>
+          <a:noFill/>
+        </p:spPr>
+        <p:style>
+          <a:lnRef idx="2">
+            <a:schemeClr val="accent1">
+              <a:shade val="15000"/>
+            </a:schemeClr>
+          </a:lnRef>
+          <a:fillRef idx="1">
+            <a:schemeClr val="accent1"/>
+          </a:fillRef>
+          <a:effectRef idx="0">
+            <a:schemeClr val="accent1"/>
+          </a:effectRef>
+          <a:fontRef idx="minor">
+            <a:schemeClr val="lt1"/>
+          </a:fontRef>
+        </p:style>
+        <p:txBody>
+          <a:bodyPr rtlCol="0" anchor="ctr"/>
+          <a:lstStyle/>
+          <a:p>
+            <a:pPr algn="ctr"/>
+            <a:r>
+              <a:rPr lang="en-US" altLang="ko-KR" dirty="0">
+                <a:solidFill>
+                  <a:schemeClr val="tx1"/>
+                </a:solidFill>
+              </a:rPr>
+              <a:t>W2</a:t>
+            </a:r>
+            <a:endParaRPr lang="ko-KR" altLang="en-US" dirty="0">
+              <a:solidFill>
+                <a:schemeClr val="tx1"/>
+              </a:solidFill>
+            </a:endParaRPr>
+          </a:p>
+        </p:txBody>
+      </p:sp>
+      <p:cxnSp>
+        <p:nvCxnSpPr>
+          <p:cNvPr id="6" name="직선 화살표 연결선 5">
+            <a:extLst>
+              <a:ext uri="{FF2B5EF4-FFF2-40B4-BE49-F238E27FC236}">
+                <a16:creationId xmlns:a16="http://schemas.microsoft.com/office/drawing/2014/main" id="{DC46B693-ED5C-0A48-78C5-35038C5A8212}"/>
+              </a:ext>
+            </a:extLst>
+          </p:cNvPr>
+          <p:cNvCxnSpPr>
+            <a:cxnSpLocks/>
+            <a:stCxn id="4" idx="3"/>
+            <a:endCxn id="5" idx="1"/>
+          </p:cNvCxnSpPr>
+          <p:nvPr/>
+        </p:nvCxnSpPr>
+        <p:spPr>
+          <a:xfrm>
+            <a:off x="2631793" y="2496951"/>
+            <a:ext cx="794138" cy="0"/>
+          </a:xfrm>
+          <a:prstGeom prst="straightConnector1">
+            <a:avLst/>
+          </a:prstGeom>
+          <a:ln w="25400">
+            <a:prstDash val="solid"/>
+            <a:headEnd w="lg" len="lg"/>
+            <a:tailEnd type="triangle" w="lg" len="lg"/>
+          </a:ln>
+        </p:spPr>
+        <p:style>
+          <a:lnRef idx="2">
+            <a:schemeClr val="accent1"/>
+          </a:lnRef>
+          <a:fillRef idx="0">
+            <a:schemeClr val="accent1"/>
+          </a:fillRef>
+          <a:effectRef idx="1">
+            <a:schemeClr val="accent1"/>
+          </a:effectRef>
+          <a:fontRef idx="minor">
+            <a:schemeClr val="tx1"/>
+          </a:fontRef>
+        </p:style>
+      </p:cxnSp>
+      <p:sp>
+        <p:nvSpPr>
+          <p:cNvPr id="9" name="직사각형 8">
+            <a:extLst>
+              <a:ext uri="{FF2B5EF4-FFF2-40B4-BE49-F238E27FC236}">
+                <a16:creationId xmlns:a16="http://schemas.microsoft.com/office/drawing/2014/main" id="{21C40055-6FF4-CBD7-80D5-6F08CAB91C50}"/>
+              </a:ext>
+            </a:extLst>
+          </p:cNvPr>
+          <p:cNvSpPr/>
+          <p:nvPr/>
+        </p:nvSpPr>
+        <p:spPr>
+          <a:xfrm>
+            <a:off x="5224231" y="2181339"/>
+            <a:ext cx="994586" cy="631224"/>
+          </a:xfrm>
+          <a:prstGeom prst="rect">
+            <a:avLst/>
+          </a:prstGeom>
+          <a:noFill/>
+        </p:spPr>
+        <p:style>
+          <a:lnRef idx="2">
+            <a:schemeClr val="accent1">
+              <a:shade val="15000"/>
+            </a:schemeClr>
+          </a:lnRef>
+          <a:fillRef idx="1">
+            <a:schemeClr val="accent1"/>
+          </a:fillRef>
+          <a:effectRef idx="0">
+            <a:schemeClr val="accent1"/>
+          </a:effectRef>
+          <a:fontRef idx="minor">
+            <a:schemeClr val="lt1"/>
+          </a:fontRef>
+        </p:style>
+        <p:txBody>
+          <a:bodyPr rtlCol="0" anchor="ctr"/>
+          <a:lstStyle/>
+          <a:p>
+            <a:pPr algn="ctr"/>
+            <a:r>
+              <a:rPr lang="en-US" altLang="ko-KR" dirty="0">
+                <a:solidFill>
+                  <a:schemeClr val="tx1"/>
+                </a:solidFill>
+              </a:rPr>
+              <a:t>W3</a:t>
+            </a:r>
+            <a:endParaRPr lang="ko-KR" altLang="en-US" dirty="0">
+              <a:solidFill>
+                <a:schemeClr val="tx1"/>
+              </a:solidFill>
+            </a:endParaRPr>
+          </a:p>
+        </p:txBody>
+      </p:sp>
+      <p:cxnSp>
+        <p:nvCxnSpPr>
+          <p:cNvPr id="10" name="직선 화살표 연결선 9">
+            <a:extLst>
+              <a:ext uri="{FF2B5EF4-FFF2-40B4-BE49-F238E27FC236}">
+                <a16:creationId xmlns:a16="http://schemas.microsoft.com/office/drawing/2014/main" id="{61A3F6CC-971D-CE3E-C65D-244E8A82B2DB}"/>
+              </a:ext>
+            </a:extLst>
+          </p:cNvPr>
+          <p:cNvCxnSpPr>
+            <a:cxnSpLocks/>
+            <a:stCxn id="5" idx="3"/>
+            <a:endCxn id="9" idx="1"/>
+          </p:cNvCxnSpPr>
+          <p:nvPr/>
+        </p:nvCxnSpPr>
+        <p:spPr>
+          <a:xfrm>
+            <a:off x="4420517" y="2496951"/>
+            <a:ext cx="803714" cy="0"/>
+          </a:xfrm>
+          <a:prstGeom prst="straightConnector1">
+            <a:avLst/>
+          </a:prstGeom>
+          <a:ln w="25400">
+            <a:prstDash val="solid"/>
+            <a:headEnd w="lg" len="lg"/>
+            <a:tailEnd type="triangle" w="lg" len="lg"/>
+          </a:ln>
+        </p:spPr>
+        <p:style>
+          <a:lnRef idx="2">
+            <a:schemeClr val="accent1"/>
+          </a:lnRef>
+          <a:fillRef idx="0">
+            <a:schemeClr val="accent1"/>
+          </a:fillRef>
+          <a:effectRef idx="1">
+            <a:schemeClr val="accent1"/>
+          </a:effectRef>
+          <a:fontRef idx="minor">
+            <a:schemeClr val="tx1"/>
+          </a:fontRef>
+        </p:style>
+      </p:cxnSp>
+      <p:cxnSp>
+        <p:nvCxnSpPr>
+          <p:cNvPr id="13" name="연결선: 꺾임 12">
+            <a:extLst>
+              <a:ext uri="{FF2B5EF4-FFF2-40B4-BE49-F238E27FC236}">
+                <a16:creationId xmlns:a16="http://schemas.microsoft.com/office/drawing/2014/main" id="{D0762357-0770-531D-8012-B64BE21CD715}"/>
+              </a:ext>
+            </a:extLst>
+          </p:cNvPr>
+          <p:cNvCxnSpPr>
+            <a:stCxn id="9" idx="2"/>
+            <a:endCxn id="4" idx="2"/>
+          </p:cNvCxnSpPr>
+          <p:nvPr/>
+        </p:nvCxnSpPr>
+        <p:spPr>
+          <a:xfrm rot="5400000">
+            <a:off x="3928012" y="1019051"/>
+            <a:ext cx="12700" cy="3587024"/>
+          </a:xfrm>
+          <a:prstGeom prst="bentConnector3">
+            <a:avLst>
+              <a:gd name="adj1" fmla="val 1800000"/>
+            </a:avLst>
+          </a:prstGeom>
+          <a:ln>
+            <a:tailEnd type="triangle"/>
+          </a:ln>
+        </p:spPr>
+        <p:style>
+          <a:lnRef idx="2">
+            <a:schemeClr val="accent1"/>
+          </a:lnRef>
+          <a:fillRef idx="0">
+            <a:schemeClr val="accent1"/>
+          </a:fillRef>
+          <a:effectRef idx="1">
+            <a:schemeClr val="accent1"/>
+          </a:effectRef>
+          <a:fontRef idx="minor">
+            <a:schemeClr val="tx1"/>
+          </a:fontRef>
+        </p:style>
+      </p:cxnSp>
+    </p:spTree>
+    <p:extLst>
+      <p:ext uri="{BB962C8B-B14F-4D97-AF65-F5344CB8AC3E}">
+        <p14:creationId xmlns:p14="http://schemas.microsoft.com/office/powerpoint/2010/main" val="340043519"/>
+      </p:ext>
+    </p:extLst>
+  </p:cSld>
+  <p:clrMapOvr>
+    <a:masterClrMapping/>
+  </p:clrMapOvr>
+</p:sld>
+</file>
+
+<file path=ppt/slides/slide8.xml><?xml version="1.0" encoding="utf-8"?>
+<p:sld xmlns:a="http://schemas.openxmlformats.org/drawingml/2006/main" xmlns:r="http://schemas.openxmlformats.org/officeDocument/2006/relationships" xmlns:p="http://schemas.openxmlformats.org/presentationml/2006/main">
+  <p:cSld>
+    <p:spTree>
+      <p:nvGrpSpPr>
+        <p:cNvPr id="1" name=""/>
+        <p:cNvGrpSpPr/>
+        <p:nvPr/>
+      </p:nvGrpSpPr>
+      <p:grpSpPr>
+        <a:xfrm>
+          <a:off x="0" y="0"/>
+          <a:ext cx="0" cy="0"/>
+          <a:chOff x="0" y="0"/>
+          <a:chExt cx="0" cy="0"/>
+        </a:xfrm>
+      </p:grpSpPr>
+      <p:sp>
+        <p:nvSpPr>
+          <p:cNvPr id="2" name="제목 1">
+            <a:extLst>
+              <a:ext uri="{FF2B5EF4-FFF2-40B4-BE49-F238E27FC236}">
                 <a16:creationId xmlns:a16="http://schemas.microsoft.com/office/drawing/2014/main" id="{80B24B17-9193-4FCA-B102-0CE23DBF0F86}"/>
               </a:ext>
             </a:extLst>
@@ -4629,7 +5699,7 @@
 </p:sld>
 </file>
 
-<file path=ppt/slides/slide6.xml><?xml version="1.0" encoding="utf-8"?>
+<file path=ppt/slides/slide9.xml><?xml version="1.0" encoding="utf-8"?>
 <p:sld xmlns:a="http://schemas.openxmlformats.org/drawingml/2006/main" xmlns:r="http://schemas.openxmlformats.org/officeDocument/2006/relationships" xmlns:p="http://schemas.openxmlformats.org/presentationml/2006/main">
   <p:cSld>
     <p:spTree>
